--- a/02.23.MetricsAndBestPractices.PD.V2.pptx
+++ b/02.23.MetricsAndBestPractices.PD.V2.pptx
@@ -227,7 +227,7 @@
             <a:fld id="{EB1BDD72-2BF0-4741-BE9E-B94F65967A67}" type="datetimeFigureOut">
               <a:rPr lang="en-US" smtClean="0"/>
               <a:pPr/>
-              <a:t>3/4/2018</a:t>
+              <a:t>3/5/2018</a:t>
             </a:fld>
             <a:endParaRPr lang="en-US" dirty="0"/>
           </a:p>
@@ -4736,7 +4736,7 @@
                 <a:ea typeface="Arial" charset="0"/>
                 <a:cs typeface="Arial" charset="0"/>
               </a:rPr>
-              <a:t>Competitor Analysis</a:t>
+              <a:t>Competitor Analysis EDIT 1</a:t>
             </a:r>
           </a:p>
         </p:txBody>
@@ -5368,299 +5368,6 @@
           </a:prstGeom>
         </p:spPr>
       </p:pic>
-      <p:grpSp>
-        <p:nvGrpSpPr>
-          <p:cNvPr id="24" name="Group 23">
-            <a:extLst>
-              <a:ext uri="{FF2B5EF4-FFF2-40B4-BE49-F238E27FC236}">
-                <a16:creationId xmlns:a16="http://schemas.microsoft.com/office/drawing/2014/main" id="{3C48B864-B953-4CBE-846C-F22E9896FE55}"/>
-              </a:ext>
-            </a:extLst>
-          </p:cNvPr>
-          <p:cNvGrpSpPr/>
-          <p:nvPr/>
-        </p:nvGrpSpPr>
-        <p:grpSpPr>
-          <a:xfrm>
-            <a:off x="173879" y="1391083"/>
-            <a:ext cx="8683963" cy="1490449"/>
-            <a:chOff x="173879" y="1305327"/>
-            <a:chExt cx="8683963" cy="1490449"/>
-          </a:xfrm>
-        </p:grpSpPr>
-        <p:sp>
-          <p:nvSpPr>
-            <p:cNvPr id="14" name="Rectangle 13">
-              <a:extLst>
-                <a:ext uri="{FF2B5EF4-FFF2-40B4-BE49-F238E27FC236}">
-                  <a16:creationId xmlns:a16="http://schemas.microsoft.com/office/drawing/2014/main" id="{BE3C7EBD-83C3-4E52-9625-5E812F4AC629}"/>
-                </a:ext>
-              </a:extLst>
-            </p:cNvPr>
-            <p:cNvSpPr/>
-            <p:nvPr/>
-          </p:nvSpPr>
-          <p:spPr bwMode="auto">
-            <a:xfrm>
-              <a:off x="341540" y="1601976"/>
-              <a:ext cx="8516302" cy="1193800"/>
-            </a:xfrm>
-            <a:prstGeom prst="rect">
-              <a:avLst/>
-            </a:prstGeom>
-            <a:noFill/>
-            <a:ln w="9525" cap="flat" cmpd="sng" algn="ctr">
-              <a:solidFill>
-                <a:schemeClr val="tx1"/>
-              </a:solidFill>
-              <a:prstDash val="solid"/>
-              <a:round/>
-              <a:headEnd type="none" w="med" len="med"/>
-              <a:tailEnd type="none" w="med" len="med"/>
-            </a:ln>
-            <a:effectLst/>
-            <a:extLst>
-              <a:ext uri="{909E8E84-426E-40DD-AFC4-6F175D3DCCD1}">
-                <a14:hiddenFill xmlns:a14="http://schemas.microsoft.com/office/drawing/2010/main">
-                  <a:solidFill>
-                    <a:schemeClr val="accent1"/>
-                  </a:solidFill>
-                </a14:hiddenFill>
-              </a:ext>
-            </a:extLst>
-          </p:spPr>
-          <p:txBody>
-            <a:bodyPr vert="horz" wrap="square" lIns="76200" tIns="279400" rIns="76200" bIns="0" numCol="1" rtlCol="0" anchor="ctr" anchorCtr="0" compatLnSpc="1">
-              <a:prstTxWarp prst="textNoShape">
-                <a:avLst/>
-              </a:prstTxWarp>
-              <a:noAutofit/>
-            </a:bodyPr>
-            <a:lstStyle/>
-            <a:p>
-              <a:pPr marL="171450" indent="-171450" eaLnBrk="0" fontAlgn="base" hangingPunct="0">
-                <a:spcBef>
-                  <a:spcPct val="0"/>
-                </a:spcBef>
-                <a:spcAft>
-                  <a:spcPct val="0"/>
-                </a:spcAft>
-                <a:buFont typeface="Wingdings 2" panose="05020102010507070707" pitchFamily="18" charset="2"/>
-                <a:buChar char="¡"/>
-              </a:pPr>
-              <a:r>
-                <a:rPr lang="en-US" sz="1400" dirty="0">
-                  <a:latin typeface="Arial" panose="020B0604020202020204" pitchFamily="34" charset="0"/>
-                  <a:ea typeface="ＭＳ Ｐゴシック" pitchFamily="34" charset="-128"/>
-                </a:rPr>
-                <a:t>Taking proposals from companies in financial services, healthcare, and other industries to develop custom solutions</a:t>
-              </a:r>
-            </a:p>
-            <a:p>
-              <a:pPr marL="171450" indent="-171450" eaLnBrk="0" fontAlgn="base" hangingPunct="0">
-                <a:spcBef>
-                  <a:spcPct val="0"/>
-                </a:spcBef>
-                <a:spcAft>
-                  <a:spcPct val="0"/>
-                </a:spcAft>
-                <a:buFont typeface="Wingdings 2" panose="05020102010507070707" pitchFamily="18" charset="2"/>
-                <a:buChar char="¡"/>
-              </a:pPr>
-              <a:r>
-                <a:rPr lang="en-US" sz="1400" dirty="0">
-                  <a:latin typeface="Arial" panose="020B0604020202020204" pitchFamily="34" charset="0"/>
-                  <a:ea typeface="ＭＳ Ｐゴシック" pitchFamily="34" charset="-128"/>
-                </a:rPr>
-                <a:t>Names companies such as Corda R3 and Samsung Nexledger that have developed solutions specific to industries and are working in concordance with Amazon</a:t>
-              </a:r>
-            </a:p>
-            <a:p>
-              <a:pPr marL="171450" marR="0" indent="-171450" algn="l" defTabSz="914400" rtl="0" eaLnBrk="0" fontAlgn="base" latinLnBrk="0" hangingPunct="0">
-                <a:lnSpc>
-                  <a:spcPct val="100000"/>
-                </a:lnSpc>
-                <a:spcBef>
-                  <a:spcPct val="0"/>
-                </a:spcBef>
-                <a:spcAft>
-                  <a:spcPct val="0"/>
-                </a:spcAft>
-                <a:buClrTx/>
-                <a:buSzTx/>
-                <a:buFont typeface="Wingdings 2" panose="05020102010507070707" pitchFamily="18" charset="2"/>
-                <a:buChar char="¡"/>
-                <a:tabLst/>
-              </a:pPr>
-              <a:endParaRPr kumimoji="0" lang="en-US" sz="1400" i="0" u="none" strike="noStrike" cap="none" normalizeH="0" baseline="0" dirty="0">
-                <a:ln>
-                  <a:noFill/>
-                </a:ln>
-                <a:solidFill>
-                  <a:schemeClr val="tx1"/>
-                </a:solidFill>
-                <a:effectLst/>
-                <a:latin typeface="Arial" panose="020B0604020202020204" pitchFamily="34" charset="0"/>
-                <a:ea typeface="ＭＳ Ｐゴシック" pitchFamily="34" charset="-128"/>
-              </a:endParaRPr>
-            </a:p>
-          </p:txBody>
-        </p:sp>
-        <p:grpSp>
-          <p:nvGrpSpPr>
-            <p:cNvPr id="18" name="Group 17">
-              <a:extLst>
-                <a:ext uri="{FF2B5EF4-FFF2-40B4-BE49-F238E27FC236}">
-                  <a16:creationId xmlns:a16="http://schemas.microsoft.com/office/drawing/2014/main" id="{3263E3F9-871A-4976-A6FB-23DE4D1D317B}"/>
-                </a:ext>
-              </a:extLst>
-            </p:cNvPr>
-            <p:cNvGrpSpPr/>
-            <p:nvPr/>
-          </p:nvGrpSpPr>
-          <p:grpSpPr>
-            <a:xfrm>
-              <a:off x="173879" y="1305327"/>
-              <a:ext cx="1624908" cy="530637"/>
-              <a:chOff x="173879" y="1347531"/>
-              <a:chExt cx="1624908" cy="530637"/>
-            </a:xfrm>
-          </p:grpSpPr>
-          <p:sp>
-            <p:nvSpPr>
-              <p:cNvPr id="56" name="Rectangle 55">
-                <a:extLst>
-                  <a:ext uri="{FF2B5EF4-FFF2-40B4-BE49-F238E27FC236}">
-                    <a16:creationId xmlns:a16="http://schemas.microsoft.com/office/drawing/2014/main" id="{D1E1BA87-2C09-4A18-8981-C9D10F3D0AEC}"/>
-                  </a:ext>
-                </a:extLst>
-              </p:cNvPr>
-              <p:cNvSpPr/>
-              <p:nvPr/>
-            </p:nvSpPr>
-            <p:spPr bwMode="auto">
-              <a:xfrm>
-                <a:off x="174186" y="1347531"/>
-                <a:ext cx="1624601" cy="303221"/>
-              </a:xfrm>
-              <a:prstGeom prst="rect">
-                <a:avLst/>
-              </a:prstGeom>
-              <a:solidFill>
-                <a:schemeClr val="accent1"/>
-              </a:solidFill>
-              <a:ln w="12700" cap="flat" cmpd="sng" algn="ctr">
-                <a:solidFill>
-                  <a:schemeClr val="tx1"/>
-                </a:solidFill>
-                <a:prstDash val="solid"/>
-                <a:round/>
-                <a:headEnd type="none" w="med" len="med"/>
-                <a:tailEnd type="none" w="med" len="med"/>
-              </a:ln>
-              <a:effectLst/>
-            </p:spPr>
-            <p:txBody>
-              <a:bodyPr vert="horz" wrap="square" lIns="91440" tIns="45720" rIns="91440" bIns="45720" numCol="1" rtlCol="0" anchor="t" anchorCtr="0" compatLnSpc="1">
-                <a:prstTxWarp prst="textNoShape">
-                  <a:avLst/>
-                </a:prstTxWarp>
-              </a:bodyPr>
-              <a:lstStyle/>
-              <a:p>
-                <a:pPr algn="ctr" defTabSz="914400" eaLnBrk="0" fontAlgn="base" hangingPunct="0">
-                  <a:spcBef>
-                    <a:spcPct val="0"/>
-                  </a:spcBef>
-                  <a:spcAft>
-                    <a:spcPct val="0"/>
-                  </a:spcAft>
-                </a:pPr>
-                <a:r>
-                  <a:rPr lang="en-US" sz="1400" b="1" dirty="0">
-                    <a:solidFill>
-                      <a:schemeClr val="bg1"/>
-                    </a:solidFill>
-                    <a:latin typeface="Arial" panose="020B0604020202020204" pitchFamily="34" charset="0"/>
-                    <a:ea typeface="ＭＳ Ｐゴシック" pitchFamily="34" charset="-128"/>
-                    <a:cs typeface="Arial" panose="020B0604020202020204" pitchFamily="34" charset="0"/>
-                  </a:rPr>
-                  <a:t>Amazon</a:t>
-                </a:r>
-              </a:p>
-            </p:txBody>
-          </p:sp>
-          <p:sp>
-            <p:nvSpPr>
-              <p:cNvPr id="59" name="Right Triangle 58">
-                <a:extLst>
-                  <a:ext uri="{FF2B5EF4-FFF2-40B4-BE49-F238E27FC236}">
-                    <a16:creationId xmlns:a16="http://schemas.microsoft.com/office/drawing/2014/main" id="{6F52C139-F36D-41BA-A0A7-672AD8C30A54}"/>
-                  </a:ext>
-                </a:extLst>
-              </p:cNvPr>
-              <p:cNvSpPr/>
-              <p:nvPr/>
-            </p:nvSpPr>
-            <p:spPr>
-              <a:xfrm flipH="1" flipV="1">
-                <a:off x="173879" y="1650752"/>
-                <a:ext cx="163119" cy="227416"/>
-              </a:xfrm>
-              <a:prstGeom prst="rtTriangle">
-                <a:avLst/>
-              </a:prstGeom>
-              <a:solidFill>
-                <a:srgbClr val="285781"/>
-              </a:solidFill>
-              <a:ln w="12700" cap="rnd" cmpd="sng" algn="ctr">
-                <a:solidFill>
-                  <a:schemeClr val="tx1"/>
-                </a:solidFill>
-                <a:prstDash val="solid"/>
-                <a:round/>
-              </a:ln>
-              <a:effectLst/>
-            </p:spPr>
-            <p:txBody>
-              <a:bodyPr rtlCol="0" anchor="ctr"/>
-              <a:lstStyle/>
-              <a:p>
-                <a:pPr marL="0" marR="0" lvl="0" indent="0" algn="ctr" defTabSz="914400" eaLnBrk="1" fontAlgn="auto" latinLnBrk="0" hangingPunct="1">
-                  <a:lnSpc>
-                    <a:spcPct val="100000"/>
-                  </a:lnSpc>
-                  <a:spcBef>
-                    <a:spcPts val="0"/>
-                  </a:spcBef>
-                  <a:spcAft>
-                    <a:spcPts val="0"/>
-                  </a:spcAft>
-                  <a:buClrTx/>
-                  <a:buSzTx/>
-                  <a:buFontTx/>
-                  <a:buNone/>
-                  <a:tabLst/>
-                  <a:defRPr/>
-                </a:pPr>
-                <a:endParaRPr kumimoji="0" lang="en-US" sz="1800" b="0" i="0" u="none" strike="noStrike" kern="0" cap="none" spc="0" normalizeH="0" baseline="0" noProof="0">
-                  <a:ln>
-                    <a:noFill/>
-                  </a:ln>
-                  <a:solidFill>
-                    <a:srgbClr val="00A9E0"/>
-                  </a:solidFill>
-                  <a:effectLst/>
-                  <a:uLnTx/>
-                  <a:uFillTx/>
-                  <a:latin typeface="Arial" panose="020B0604020202020204" pitchFamily="34" charset="0"/>
-                  <a:cs typeface="Arial" panose="020B0604020202020204" pitchFamily="34" charset="0"/>
-                </a:endParaRPr>
-              </a:p>
-            </p:txBody>
-          </p:sp>
-        </p:grpSp>
-      </p:grpSp>
       <p:grpSp>
         <p:nvGrpSpPr>
           <p:cNvPr id="23" name="Group 22">
@@ -11085,12 +10792,6 @@
 </file>
 
 <file path=customXml/item2.xml><?xml version="1.0" encoding="utf-8"?>
-<p:properties xmlns:p="http://schemas.microsoft.com/office/2006/metadata/properties" xmlns:xsi="http://www.w3.org/2001/XMLSchema-instance" xmlns:pc="http://schemas.microsoft.com/office/infopath/2007/PartnerControls">
-  <documentManagement/>
-</p:properties>
-</file>
-
-<file path=customXml/item3.xml><?xml version="1.0" encoding="utf-8"?>
 <ct:contentTypeSchema xmlns:ct="http://schemas.microsoft.com/office/2006/metadata/contentType" xmlns:ma="http://schemas.microsoft.com/office/2006/metadata/properties/metaAttributes" ct:_="" ma:_="" ma:contentTypeName="Document" ma:contentTypeID="0x01010019AD3A987FAE664C8AA2DB806573D028" ma:contentTypeVersion="0" ma:contentTypeDescription="Create a new document." ma:contentTypeScope="" ma:versionID="1e07a1755b8f231f798a5853ac19e66e">
   <xsd:schema xmlns:xsd="http://www.w3.org/2001/XMLSchema" xmlns:xs="http://www.w3.org/2001/XMLSchema" xmlns:p="http://schemas.microsoft.com/office/2006/metadata/properties" targetNamespace="http://schemas.microsoft.com/office/2006/metadata/properties" ma:root="true" ma:fieldsID="c64490b4aec6201516c3a874156f37b2">
     <xsd:element name="properties">
@@ -11204,6 +10905,12 @@
 </ct:contentTypeSchema>
 </file>
 
+<file path=customXml/item3.xml><?xml version="1.0" encoding="utf-8"?>
+<p:properties xmlns:p="http://schemas.microsoft.com/office/2006/metadata/properties" xmlns:xsi="http://www.w3.org/2001/XMLSchema-instance" xmlns:pc="http://schemas.microsoft.com/office/infopath/2007/PartnerControls">
+  <documentManagement/>
+</p:properties>
+</file>
+
 <file path=customXml/itemProps1.xml><?xml version="1.0" encoding="utf-8"?>
 <ds:datastoreItem xmlns:ds="http://schemas.openxmlformats.org/officeDocument/2006/customXml" ds:itemID="{9E12FCFC-4CBB-45A8-9EEA-6CF0820EE454}">
   <ds:schemaRefs>
@@ -11213,21 +10920,6 @@
 </file>
 
 <file path=customXml/itemProps2.xml><?xml version="1.0" encoding="utf-8"?>
-<ds:datastoreItem xmlns:ds="http://schemas.openxmlformats.org/officeDocument/2006/customXml" ds:itemID="{4659C75B-BE07-443E-8D88-59BE831116C4}">
-  <ds:schemaRefs>
-    <ds:schemaRef ds:uri="http://schemas.microsoft.com/office/infopath/2007/PartnerControls"/>
-    <ds:schemaRef ds:uri="http://schemas.microsoft.com/office/2006/documentManagement/types"/>
-    <ds:schemaRef ds:uri="http://schemas.microsoft.com/office/2006/metadata/properties"/>
-    <ds:schemaRef ds:uri="http://purl.org/dc/elements/1.1/"/>
-    <ds:schemaRef ds:uri="http://purl.org/dc/terms/"/>
-    <ds:schemaRef ds:uri="http://schemas.openxmlformats.org/package/2006/metadata/core-properties"/>
-    <ds:schemaRef ds:uri="http://purl.org/dc/dcmitype/"/>
-    <ds:schemaRef ds:uri="http://www.w3.org/XML/1998/namespace"/>
-  </ds:schemaRefs>
-</ds:datastoreItem>
-</file>
-
-<file path=customXml/itemProps3.xml><?xml version="1.0" encoding="utf-8"?>
 <ds:datastoreItem xmlns:ds="http://schemas.openxmlformats.org/officeDocument/2006/customXml" ds:itemID="{7EE4DB87-A61E-4A3F-8644-918A1C151446}">
   <ds:schemaRefs>
     <ds:schemaRef ds:uri="http://schemas.microsoft.com/office/2006/metadata/contentType"/>
@@ -11241,4 +10933,19 @@
     <ds:schemaRef ds:uri="http://schemas.microsoft.com/office/infopath/2007/PartnerControls"/>
   </ds:schemaRefs>
 </ds:datastoreItem>
+</file>
+
+<file path=customXml/itemProps3.xml><?xml version="1.0" encoding="utf-8"?>
+<ds:datastoreItem xmlns:ds="http://schemas.openxmlformats.org/officeDocument/2006/customXml" ds:itemID="{4659C75B-BE07-443E-8D88-59BE831116C4}">
+  <ds:schemaRefs>
+    <ds:schemaRef ds:uri="http://schemas.microsoft.com/office/infopath/2007/PartnerControls"/>
+    <ds:schemaRef ds:uri="http://schemas.microsoft.com/office/2006/documentManagement/types"/>
+    <ds:schemaRef ds:uri="http://schemas.microsoft.com/office/2006/metadata/properties"/>
+    <ds:schemaRef ds:uri="http://purl.org/dc/elements/1.1/"/>
+    <ds:schemaRef ds:uri="http://purl.org/dc/terms/"/>
+    <ds:schemaRef ds:uri="http://schemas.openxmlformats.org/package/2006/metadata/core-properties"/>
+    <ds:schemaRef ds:uri="http://purl.org/dc/dcmitype/"/>
+    <ds:schemaRef ds:uri="http://www.w3.org/XML/1998/namespace"/>
+  </ds:schemaRefs>
+</ds:datastoreItem>
 </file>
--- a/02.23.MetricsAndBestPractices.PD.V2.pptx
+++ b/02.23.MetricsAndBestPractices.PD.V2.pptx
@@ -5387,6 +5387,12 @@
             <a:chOff x="131982" y="2853076"/>
             <a:chExt cx="8682558" cy="1495510"/>
           </a:xfrm>
+          <a:solidFill>
+            <a:schemeClr val="accent1">
+              <a:lumMod val="50000"/>
+              <a:lumOff val="50000"/>
+            </a:schemeClr>
+          </a:solidFill>
         </p:grpSpPr>
         <p:sp>
           <p:nvSpPr>
@@ -5408,7 +5414,7 @@
             <a:prstGeom prst="rect">
               <a:avLst/>
             </a:prstGeom>
-            <a:noFill/>
+            <a:grpFill/>
             <a:ln w="9525" cap="flat" cmpd="sng" algn="ctr">
               <a:solidFill>
                 <a:schemeClr val="tx1"/>
@@ -5474,6 +5480,7 @@
               <a:chOff x="173879" y="1347531"/>
               <a:chExt cx="1624908" cy="530637"/>
             </a:xfrm>
+            <a:grpFill/>
           </p:grpSpPr>
           <p:sp>
             <p:nvSpPr>
@@ -5495,9 +5502,7 @@
               <a:prstGeom prst="rect">
                 <a:avLst/>
               </a:prstGeom>
-              <a:solidFill>
-                <a:schemeClr val="accent1"/>
-              </a:solidFill>
+              <a:grpFill/>
               <a:ln w="12700" cap="flat" cmpd="sng" algn="ctr">
                 <a:solidFill>
                   <a:schemeClr val="tx1"/>
@@ -5559,9 +5564,7 @@
               <a:prstGeom prst="rtTriangle">
                 <a:avLst/>
               </a:prstGeom>
-              <a:solidFill>
-                <a:srgbClr val="285781"/>
-              </a:solidFill>
+              <a:grpFill/>
               <a:ln w="12700" cap="rnd" cmpd="sng" algn="ctr">
                 <a:solidFill>
                   <a:schemeClr val="tx1"/>
@@ -5629,6 +5632,7 @@
             <a:prstGeom prst="rect">
               <a:avLst/>
             </a:prstGeom>
+            <a:grpFill/>
           </p:spPr>
           <p:txBody>
             <a:bodyPr wrap="square" anchor="ctr">
@@ -6327,7 +6331,7 @@
                 <a:ea typeface="Arial" charset="0"/>
                 <a:cs typeface="Arial" charset="0"/>
               </a:rPr>
-              <a:t>Do You Need Blockchain?</a:t>
+              <a:t>Do You Need Blockchain? EDIT 2</a:t>
             </a:r>
           </a:p>
         </p:txBody>
